--- a/Presentation.pptx
+++ b/Presentation.pptx
@@ -250,7 +250,7 @@
                 <a:cs typeface="Tahoma" panose="020B0604030504040204" pitchFamily="34" charset="0"/>
               </a:rPr>
               <a:pPr algn="l" rtl="1"/>
-              <a:t>06 ינואר 23</a:t>
+              <a:t>07 ינואר 23</a:t>
             </a:fld>
             <a:endParaRPr lang="he-IL" dirty="0">
               <a:latin typeface="Tahoma" panose="020B0604030504040204" pitchFamily="34" charset="0"/>
@@ -448,7 +448,7 @@
             <a:fld id="{D36D18A6-F058-41A1-B5F6-5F38D058AE5A}" type="datetime8">
               <a:rPr lang="he-IL" smtClean="0"/>
               <a:pPr/>
-              <a:t>06 ינואר 23</a:t>
+              <a:t>07 ינואר 23</a:t>
             </a:fld>
             <a:endParaRPr lang="he-IL" dirty="0"/>
           </a:p>
@@ -1058,7 +1058,7 @@
           <a:noFill/>
           <a:extLst>
             <a:ext uri="{909E8E84-426E-40dd-AFC4-6F175D3DCCD1}">
-              <a14:hiddenFill xmlns="" xmlns:a14="http://schemas.microsoft.com/office/drawing/2010/main">
+              <a14:hiddenFill xmlns:a14="http://schemas.microsoft.com/office/drawing/2010/main" xmlns="">
                 <a:solidFill>
                   <a:srgbClr val="FFFFFF"/>
                 </a:solidFill>
@@ -1118,7 +1118,7 @@
             </a:ln>
             <a:extLst>
               <a:ext uri="{91240B29-F687-4f45-9708-019B960494DF}">
-                <a14:hiddenLine xmlns="" xmlns:a14="http://schemas.microsoft.com/office/drawing/2010/main" w="9525">
+                <a14:hiddenLine xmlns:a14="http://schemas.microsoft.com/office/drawing/2010/main" xmlns="" w="9525">
                   <a:solidFill>
                     <a:srgbClr val="000000"/>
                   </a:solidFill>
@@ -1208,7 +1208,7 @@
             </a:ln>
             <a:extLst>
               <a:ext uri="{91240B29-F687-4f45-9708-019B960494DF}">
-                <a14:hiddenLine xmlns="" xmlns:a14="http://schemas.microsoft.com/office/drawing/2010/main" w="9525">
+                <a14:hiddenLine xmlns:a14="http://schemas.microsoft.com/office/drawing/2010/main" xmlns="" w="9525">
                   <a:solidFill>
                     <a:srgbClr val="000000"/>
                   </a:solidFill>
@@ -1298,7 +1298,7 @@
             </a:ln>
             <a:extLst>
               <a:ext uri="{91240B29-F687-4f45-9708-019B960494DF}">
-                <a14:hiddenLine xmlns="" xmlns:a14="http://schemas.microsoft.com/office/drawing/2010/main" w="9525">
+                <a14:hiddenLine xmlns:a14="http://schemas.microsoft.com/office/drawing/2010/main" xmlns="" w="9525">
                   <a:solidFill>
                     <a:srgbClr val="000000"/>
                   </a:solidFill>
@@ -1332,7 +1332,7 @@
             </a:ln>
             <a:extLst>
               <a:ext uri="{91240B29-F687-4f45-9708-019B960494DF}">
-                <a14:hiddenLine xmlns="" xmlns:a14="http://schemas.microsoft.com/office/drawing/2010/main" w="9525">
+                <a14:hiddenLine xmlns:a14="http://schemas.microsoft.com/office/drawing/2010/main" xmlns="" w="9525">
                   <a:solidFill>
                     <a:srgbClr val="000000"/>
                   </a:solidFill>
@@ -1422,7 +1422,7 @@
             </a:ln>
             <a:extLst>
               <a:ext uri="{91240B29-F687-4f45-9708-019B960494DF}">
-                <a14:hiddenLine xmlns="" xmlns:a14="http://schemas.microsoft.com/office/drawing/2010/main" w="9525">
+                <a14:hiddenLine xmlns:a14="http://schemas.microsoft.com/office/drawing/2010/main" xmlns="" w="9525">
                   <a:solidFill>
                     <a:srgbClr val="000000"/>
                   </a:solidFill>
@@ -1484,7 +1484,7 @@
             </a:ln>
             <a:extLst>
               <a:ext uri="{91240B29-F687-4f45-9708-019B960494DF}">
-                <a14:hiddenLine xmlns="" xmlns:a14="http://schemas.microsoft.com/office/drawing/2010/main" w="9525">
+                <a14:hiddenLine xmlns:a14="http://schemas.microsoft.com/office/drawing/2010/main" xmlns="" w="9525">
                   <a:solidFill>
                     <a:srgbClr val="000000"/>
                   </a:solidFill>
@@ -1546,7 +1546,7 @@
             </a:ln>
             <a:extLst>
               <a:ext uri="{91240B29-F687-4f45-9708-019B960494DF}">
-                <a14:hiddenLine xmlns="" xmlns:a14="http://schemas.microsoft.com/office/drawing/2010/main" w="9525">
+                <a14:hiddenLine xmlns:a14="http://schemas.microsoft.com/office/drawing/2010/main" xmlns="" w="9525">
                   <a:solidFill>
                     <a:srgbClr val="000000"/>
                   </a:solidFill>
@@ -1636,7 +1636,7 @@
             </a:ln>
             <a:extLst>
               <a:ext uri="{91240B29-F687-4f45-9708-019B960494DF}">
-                <a14:hiddenLine xmlns="" xmlns:a14="http://schemas.microsoft.com/office/drawing/2010/main" w="9525">
+                <a14:hiddenLine xmlns:a14="http://schemas.microsoft.com/office/drawing/2010/main" xmlns="" w="9525">
                   <a:solidFill>
                     <a:srgbClr val="000000"/>
                   </a:solidFill>
@@ -1698,7 +1698,7 @@
             </a:ln>
             <a:extLst>
               <a:ext uri="{91240B29-F687-4f45-9708-019B960494DF}">
-                <a14:hiddenLine xmlns="" xmlns:a14="http://schemas.microsoft.com/office/drawing/2010/main" w="9525">
+                <a14:hiddenLine xmlns:a14="http://schemas.microsoft.com/office/drawing/2010/main" xmlns="" w="9525">
                   <a:solidFill>
                     <a:srgbClr val="000000"/>
                   </a:solidFill>
@@ -1760,7 +1760,7 @@
             </a:ln>
             <a:extLst>
               <a:ext uri="{91240B29-F687-4f45-9708-019B960494DF}">
-                <a14:hiddenLine xmlns="" xmlns:a14="http://schemas.microsoft.com/office/drawing/2010/main" w="9525">
+                <a14:hiddenLine xmlns:a14="http://schemas.microsoft.com/office/drawing/2010/main" xmlns="" w="9525">
                   <a:solidFill>
                     <a:srgbClr val="000000"/>
                   </a:solidFill>
@@ -1850,7 +1850,7 @@
             </a:ln>
             <a:extLst>
               <a:ext uri="{91240B29-F687-4f45-9708-019B960494DF}">
-                <a14:hiddenLine xmlns="" xmlns:a14="http://schemas.microsoft.com/office/drawing/2010/main" w="9525">
+                <a14:hiddenLine xmlns:a14="http://schemas.microsoft.com/office/drawing/2010/main" xmlns="" w="9525">
                   <a:solidFill>
                     <a:srgbClr val="000000"/>
                   </a:solidFill>
@@ -1940,7 +1940,7 @@
             </a:ln>
             <a:extLst>
               <a:ext uri="{91240B29-F687-4f45-9708-019B960494DF}">
-                <a14:hiddenLine xmlns="" xmlns:a14="http://schemas.microsoft.com/office/drawing/2010/main" w="9525">
+                <a14:hiddenLine xmlns:a14="http://schemas.microsoft.com/office/drawing/2010/main" xmlns="" w="9525">
                   <a:solidFill>
                     <a:srgbClr val="000000"/>
                   </a:solidFill>
@@ -2002,7 +2002,7 @@
             </a:ln>
             <a:extLst>
               <a:ext uri="{91240B29-F687-4f45-9708-019B960494DF}">
-                <a14:hiddenLine xmlns="" xmlns:a14="http://schemas.microsoft.com/office/drawing/2010/main" w="9525">
+                <a14:hiddenLine xmlns:a14="http://schemas.microsoft.com/office/drawing/2010/main" xmlns="" w="9525">
                   <a:solidFill>
                     <a:srgbClr val="000000"/>
                   </a:solidFill>
@@ -2112,7 +2112,7 @@
             </a:ln>
             <a:extLst>
               <a:ext uri="{91240B29-F687-4f45-9708-019B960494DF}">
-                <a14:hiddenLine xmlns="" xmlns:a14="http://schemas.microsoft.com/office/drawing/2010/main" w="9525">
+                <a14:hiddenLine xmlns:a14="http://schemas.microsoft.com/office/drawing/2010/main" xmlns="" w="9525">
                   <a:solidFill>
                     <a:srgbClr val="000000"/>
                   </a:solidFill>
@@ -2174,7 +2174,7 @@
             </a:ln>
             <a:extLst>
               <a:ext uri="{91240B29-F687-4f45-9708-019B960494DF}">
-                <a14:hiddenLine xmlns="" xmlns:a14="http://schemas.microsoft.com/office/drawing/2010/main" w="9525">
+                <a14:hiddenLine xmlns:a14="http://schemas.microsoft.com/office/drawing/2010/main" xmlns="" w="9525">
                   <a:solidFill>
                     <a:srgbClr val="000000"/>
                   </a:solidFill>
@@ -2264,7 +2264,7 @@
             </a:ln>
             <a:extLst>
               <a:ext uri="{91240B29-F687-4f45-9708-019B960494DF}">
-                <a14:hiddenLine xmlns="" xmlns:a14="http://schemas.microsoft.com/office/drawing/2010/main" w="9525">
+                <a14:hiddenLine xmlns:a14="http://schemas.microsoft.com/office/drawing/2010/main" xmlns="" w="9525">
                   <a:solidFill>
                     <a:srgbClr val="000000"/>
                   </a:solidFill>
@@ -2354,7 +2354,7 @@
             </a:ln>
             <a:extLst>
               <a:ext uri="{91240B29-F687-4f45-9708-019B960494DF}">
-                <a14:hiddenLine xmlns="" xmlns:a14="http://schemas.microsoft.com/office/drawing/2010/main" w="9525">
+                <a14:hiddenLine xmlns:a14="http://schemas.microsoft.com/office/drawing/2010/main" xmlns="" w="9525">
                   <a:solidFill>
                     <a:srgbClr val="000000"/>
                   </a:solidFill>
@@ -2416,7 +2416,7 @@
             </a:ln>
             <a:extLst>
               <a:ext uri="{91240B29-F687-4f45-9708-019B960494DF}">
-                <a14:hiddenLine xmlns="" xmlns:a14="http://schemas.microsoft.com/office/drawing/2010/main" w="9525">
+                <a14:hiddenLine xmlns:a14="http://schemas.microsoft.com/office/drawing/2010/main" xmlns="" w="9525">
                   <a:solidFill>
                     <a:srgbClr val="000000"/>
                   </a:solidFill>
@@ -2506,7 +2506,7 @@
             </a:ln>
             <a:extLst>
               <a:ext uri="{91240B29-F687-4f45-9708-019B960494DF}">
-                <a14:hiddenLine xmlns="" xmlns:a14="http://schemas.microsoft.com/office/drawing/2010/main" w="9525">
+                <a14:hiddenLine xmlns:a14="http://schemas.microsoft.com/office/drawing/2010/main" xmlns="" w="9525">
                   <a:solidFill>
                     <a:srgbClr val="000000"/>
                   </a:solidFill>
@@ -2596,7 +2596,7 @@
             </a:ln>
             <a:extLst>
               <a:ext uri="{91240B29-F687-4f45-9708-019B960494DF}">
-                <a14:hiddenLine xmlns="" xmlns:a14="http://schemas.microsoft.com/office/drawing/2010/main" w="9525">
+                <a14:hiddenLine xmlns:a14="http://schemas.microsoft.com/office/drawing/2010/main" xmlns="" w="9525">
                   <a:solidFill>
                     <a:srgbClr val="000000"/>
                   </a:solidFill>
@@ -2652,7 +2652,7 @@
             </a:ln>
             <a:extLst>
               <a:ext uri="{91240B29-F687-4f45-9708-019B960494DF}">
-                <a14:hiddenLine xmlns="" xmlns:a14="http://schemas.microsoft.com/office/drawing/2010/main" w="9525">
+                <a14:hiddenLine xmlns:a14="http://schemas.microsoft.com/office/drawing/2010/main" xmlns="" w="9525">
                   <a:solidFill>
                     <a:srgbClr val="000000"/>
                   </a:solidFill>
@@ -2742,7 +2742,7 @@
             </a:ln>
             <a:extLst>
               <a:ext uri="{91240B29-F687-4f45-9708-019B960494DF}">
-                <a14:hiddenLine xmlns="" xmlns:a14="http://schemas.microsoft.com/office/drawing/2010/main" w="9525">
+                <a14:hiddenLine xmlns:a14="http://schemas.microsoft.com/office/drawing/2010/main" xmlns="" w="9525">
                   <a:solidFill>
                     <a:srgbClr val="000000"/>
                   </a:solidFill>
@@ -2798,7 +2798,7 @@
             </a:ln>
             <a:extLst>
               <a:ext uri="{91240B29-F687-4f45-9708-019B960494DF}">
-                <a14:hiddenLine xmlns="" xmlns:a14="http://schemas.microsoft.com/office/drawing/2010/main" w="9525">
+                <a14:hiddenLine xmlns:a14="http://schemas.microsoft.com/office/drawing/2010/main" xmlns="" w="9525">
                   <a:solidFill>
                     <a:srgbClr val="000000"/>
                   </a:solidFill>
@@ -2888,7 +2888,7 @@
             </a:ln>
             <a:extLst>
               <a:ext uri="{91240B29-F687-4f45-9708-019B960494DF}">
-                <a14:hiddenLine xmlns="" xmlns:a14="http://schemas.microsoft.com/office/drawing/2010/main" w="9525">
+                <a14:hiddenLine xmlns:a14="http://schemas.microsoft.com/office/drawing/2010/main" xmlns="" w="9525">
                   <a:solidFill>
                     <a:srgbClr val="000000"/>
                   </a:solidFill>
@@ -2956,7 +2956,7 @@
             </a:ln>
             <a:extLst>
               <a:ext uri="{91240B29-F687-4f45-9708-019B960494DF}">
-                <a14:hiddenLine xmlns="" xmlns:a14="http://schemas.microsoft.com/office/drawing/2010/main" w="9525">
+                <a14:hiddenLine xmlns:a14="http://schemas.microsoft.com/office/drawing/2010/main" xmlns="" w="9525">
                   <a:solidFill>
                     <a:srgbClr val="000000"/>
                   </a:solidFill>
@@ -3046,7 +3046,7 @@
             </a:ln>
             <a:extLst>
               <a:ext uri="{91240B29-F687-4f45-9708-019B960494DF}">
-                <a14:hiddenLine xmlns="" xmlns:a14="http://schemas.microsoft.com/office/drawing/2010/main" w="9525">
+                <a14:hiddenLine xmlns:a14="http://schemas.microsoft.com/office/drawing/2010/main" xmlns="" w="9525">
                   <a:solidFill>
                     <a:srgbClr val="000000"/>
                   </a:solidFill>
@@ -3114,7 +3114,7 @@
             </a:ln>
             <a:extLst>
               <a:ext uri="{91240B29-F687-4f45-9708-019B960494DF}">
-                <a14:hiddenLine xmlns="" xmlns:a14="http://schemas.microsoft.com/office/drawing/2010/main" w="9525">
+                <a14:hiddenLine xmlns:a14="http://schemas.microsoft.com/office/drawing/2010/main" xmlns="" w="9525">
                   <a:solidFill>
                     <a:srgbClr val="000000"/>
                   </a:solidFill>
@@ -3204,7 +3204,7 @@
             </a:ln>
             <a:extLst>
               <a:ext uri="{91240B29-F687-4f45-9708-019B960494DF}">
-                <a14:hiddenLine xmlns="" xmlns:a14="http://schemas.microsoft.com/office/drawing/2010/main" w="9525">
+                <a14:hiddenLine xmlns:a14="http://schemas.microsoft.com/office/drawing/2010/main" xmlns="" w="9525">
                   <a:solidFill>
                     <a:srgbClr val="000000"/>
                   </a:solidFill>
@@ -3238,7 +3238,7 @@
             </a:ln>
             <a:extLst>
               <a:ext uri="{91240B29-F687-4f45-9708-019B960494DF}">
-                <a14:hiddenLine xmlns="" xmlns:a14="http://schemas.microsoft.com/office/drawing/2010/main" w="9525">
+                <a14:hiddenLine xmlns:a14="http://schemas.microsoft.com/office/drawing/2010/main" xmlns="" w="9525">
                   <a:solidFill>
                     <a:srgbClr val="000000"/>
                   </a:solidFill>
@@ -3328,7 +3328,7 @@
             </a:ln>
             <a:extLst>
               <a:ext uri="{91240B29-F687-4f45-9708-019B960494DF}">
-                <a14:hiddenLine xmlns="" xmlns:a14="http://schemas.microsoft.com/office/drawing/2010/main" w="9525">
+                <a14:hiddenLine xmlns:a14="http://schemas.microsoft.com/office/drawing/2010/main" xmlns="" w="9525">
                   <a:solidFill>
                     <a:srgbClr val="000000"/>
                   </a:solidFill>
@@ -3390,7 +3390,7 @@
             </a:ln>
             <a:extLst>
               <a:ext uri="{91240B29-F687-4f45-9708-019B960494DF}">
-                <a14:hiddenLine xmlns="" xmlns:a14="http://schemas.microsoft.com/office/drawing/2010/main" w="9525">
+                <a14:hiddenLine xmlns:a14="http://schemas.microsoft.com/office/drawing/2010/main" xmlns="" w="9525">
                   <a:solidFill>
                     <a:srgbClr val="000000"/>
                   </a:solidFill>
@@ -3452,7 +3452,7 @@
             </a:ln>
             <a:extLst>
               <a:ext uri="{91240B29-F687-4f45-9708-019B960494DF}">
-                <a14:hiddenLine xmlns="" xmlns:a14="http://schemas.microsoft.com/office/drawing/2010/main" w="9525">
+                <a14:hiddenLine xmlns:a14="http://schemas.microsoft.com/office/drawing/2010/main" xmlns="" w="9525">
                   <a:solidFill>
                     <a:srgbClr val="000000"/>
                   </a:solidFill>
@@ -3542,7 +3542,7 @@
             </a:ln>
             <a:extLst>
               <a:ext uri="{91240B29-F687-4f45-9708-019B960494DF}">
-                <a14:hiddenLine xmlns="" xmlns:a14="http://schemas.microsoft.com/office/drawing/2010/main" w="9525">
+                <a14:hiddenLine xmlns:a14="http://schemas.microsoft.com/office/drawing/2010/main" xmlns="" w="9525">
                   <a:solidFill>
                     <a:srgbClr val="000000"/>
                   </a:solidFill>
@@ -3610,7 +3610,7 @@
             </a:ln>
             <a:extLst>
               <a:ext uri="{91240B29-F687-4f45-9708-019B960494DF}">
-                <a14:hiddenLine xmlns="" xmlns:a14="http://schemas.microsoft.com/office/drawing/2010/main" w="9525">
+                <a14:hiddenLine xmlns:a14="http://schemas.microsoft.com/office/drawing/2010/main" xmlns="" w="9525">
                   <a:solidFill>
                     <a:srgbClr val="000000"/>
                   </a:solidFill>
@@ -3672,7 +3672,7 @@
             </a:ln>
             <a:extLst>
               <a:ext uri="{91240B29-F687-4f45-9708-019B960494DF}">
-                <a14:hiddenLine xmlns="" xmlns:a14="http://schemas.microsoft.com/office/drawing/2010/main" w="9525">
+                <a14:hiddenLine xmlns:a14="http://schemas.microsoft.com/office/drawing/2010/main" xmlns="" w="9525">
                   <a:solidFill>
                     <a:srgbClr val="000000"/>
                   </a:solidFill>
@@ -3762,7 +3762,7 @@
             </a:ln>
             <a:extLst>
               <a:ext uri="{91240B29-F687-4f45-9708-019B960494DF}">
-                <a14:hiddenLine xmlns="" xmlns:a14="http://schemas.microsoft.com/office/drawing/2010/main" w="9525">
+                <a14:hiddenLine xmlns:a14="http://schemas.microsoft.com/office/drawing/2010/main" xmlns="" w="9525">
                   <a:solidFill>
                     <a:srgbClr val="000000"/>
                   </a:solidFill>
@@ -3824,7 +3824,7 @@
             </a:ln>
             <a:extLst>
               <a:ext uri="{91240B29-F687-4f45-9708-019B960494DF}">
-                <a14:hiddenLine xmlns="" xmlns:a14="http://schemas.microsoft.com/office/drawing/2010/main" w="9525">
+                <a14:hiddenLine xmlns:a14="http://schemas.microsoft.com/office/drawing/2010/main" xmlns="" w="9525">
                   <a:solidFill>
                     <a:srgbClr val="000000"/>
                   </a:solidFill>
@@ -3914,7 +3914,7 @@
             </a:ln>
             <a:extLst>
               <a:ext uri="{91240B29-F687-4f45-9708-019B960494DF}">
-                <a14:hiddenLine xmlns="" xmlns:a14="http://schemas.microsoft.com/office/drawing/2010/main" w="9525">
+                <a14:hiddenLine xmlns:a14="http://schemas.microsoft.com/office/drawing/2010/main" xmlns="" w="9525">
                   <a:solidFill>
                     <a:srgbClr val="000000"/>
                   </a:solidFill>
@@ -3976,7 +3976,7 @@
             </a:ln>
             <a:extLst>
               <a:ext uri="{91240B29-F687-4f45-9708-019B960494DF}">
-                <a14:hiddenLine xmlns="" xmlns:a14="http://schemas.microsoft.com/office/drawing/2010/main" w="9525">
+                <a14:hiddenLine xmlns:a14="http://schemas.microsoft.com/office/drawing/2010/main" xmlns="" w="9525">
                   <a:solidFill>
                     <a:srgbClr val="000000"/>
                   </a:solidFill>
@@ -4066,7 +4066,7 @@
             </a:ln>
             <a:extLst>
               <a:ext uri="{91240B29-F687-4f45-9708-019B960494DF}">
-                <a14:hiddenLine xmlns="" xmlns:a14="http://schemas.microsoft.com/office/drawing/2010/main" w="9525">
+                <a14:hiddenLine xmlns:a14="http://schemas.microsoft.com/office/drawing/2010/main" xmlns="" w="9525">
                   <a:solidFill>
                     <a:srgbClr val="000000"/>
                   </a:solidFill>
@@ -4100,7 +4100,7 @@
             </a:ln>
             <a:extLst>
               <a:ext uri="{91240B29-F687-4f45-9708-019B960494DF}">
-                <a14:hiddenLine xmlns="" xmlns:a14="http://schemas.microsoft.com/office/drawing/2010/main" w="9525">
+                <a14:hiddenLine xmlns:a14="http://schemas.microsoft.com/office/drawing/2010/main" xmlns="" w="9525">
                   <a:solidFill>
                     <a:srgbClr val="000000"/>
                   </a:solidFill>
@@ -4165,7 +4165,7 @@
             </a:ln>
             <a:extLst>
               <a:ext uri="{91240B29-F687-4f45-9708-019B960494DF}">
-                <a14:hiddenLine xmlns="" xmlns:a14="http://schemas.microsoft.com/office/drawing/2010/main" w="9525">
+                <a14:hiddenLine xmlns:a14="http://schemas.microsoft.com/office/drawing/2010/main" xmlns="" w="9525">
                   <a:solidFill>
                     <a:srgbClr val="000000"/>
                   </a:solidFill>
@@ -4255,7 +4255,7 @@
             </a:ln>
             <a:extLst>
               <a:ext uri="{91240B29-F687-4f45-9708-019B960494DF}">
-                <a14:hiddenLine xmlns="" xmlns:a14="http://schemas.microsoft.com/office/drawing/2010/main" w="9525">
+                <a14:hiddenLine xmlns:a14="http://schemas.microsoft.com/office/drawing/2010/main" xmlns="" w="9525">
                   <a:solidFill>
                     <a:srgbClr val="000000"/>
                   </a:solidFill>
@@ -4317,7 +4317,7 @@
             </a:ln>
             <a:extLst>
               <a:ext uri="{91240B29-F687-4f45-9708-019B960494DF}">
-                <a14:hiddenLine xmlns="" xmlns:a14="http://schemas.microsoft.com/office/drawing/2010/main" w="9525">
+                <a14:hiddenLine xmlns:a14="http://schemas.microsoft.com/office/drawing/2010/main" xmlns="" w="9525">
                   <a:solidFill>
                     <a:srgbClr val="000000"/>
                   </a:solidFill>
@@ -4407,7 +4407,7 @@
             </a:ln>
             <a:extLst>
               <a:ext uri="{91240B29-F687-4f45-9708-019B960494DF}">
-                <a14:hiddenLine xmlns="" xmlns:a14="http://schemas.microsoft.com/office/drawing/2010/main" w="9525">
+                <a14:hiddenLine xmlns:a14="http://schemas.microsoft.com/office/drawing/2010/main" xmlns="" w="9525">
                   <a:solidFill>
                     <a:srgbClr val="000000"/>
                   </a:solidFill>
@@ -4497,7 +4497,7 @@
             </a:ln>
             <a:extLst>
               <a:ext uri="{91240B29-F687-4f45-9708-019B960494DF}">
-                <a14:hiddenLine xmlns="" xmlns:a14="http://schemas.microsoft.com/office/drawing/2010/main" w="9525">
+                <a14:hiddenLine xmlns:a14="http://schemas.microsoft.com/office/drawing/2010/main" xmlns="" w="9525">
                   <a:solidFill>
                     <a:srgbClr val="000000"/>
                   </a:solidFill>
@@ -4562,7 +4562,7 @@
             </a:ln>
             <a:extLst>
               <a:ext uri="{91240B29-F687-4f45-9708-019B960494DF}">
-                <a14:hiddenLine xmlns="" xmlns:a14="http://schemas.microsoft.com/office/drawing/2010/main" w="9525">
+                <a14:hiddenLine xmlns:a14="http://schemas.microsoft.com/office/drawing/2010/main" xmlns="" w="9525">
                   <a:solidFill>
                     <a:srgbClr val="000000"/>
                   </a:solidFill>
@@ -4624,7 +4624,7 @@
             </a:ln>
             <a:extLst>
               <a:ext uri="{91240B29-F687-4f45-9708-019B960494DF}">
-                <a14:hiddenLine xmlns="" xmlns:a14="http://schemas.microsoft.com/office/drawing/2010/main" w="9525">
+                <a14:hiddenLine xmlns:a14="http://schemas.microsoft.com/office/drawing/2010/main" xmlns="" w="9525">
                   <a:solidFill>
                     <a:srgbClr val="000000"/>
                   </a:solidFill>
@@ -4714,7 +4714,7 @@
             </a:ln>
             <a:extLst>
               <a:ext uri="{91240B29-F687-4f45-9708-019B960494DF}">
-                <a14:hiddenLine xmlns="" xmlns:a14="http://schemas.microsoft.com/office/drawing/2010/main" w="9525">
+                <a14:hiddenLine xmlns:a14="http://schemas.microsoft.com/office/drawing/2010/main" xmlns="" w="9525">
                   <a:solidFill>
                     <a:srgbClr val="000000"/>
                   </a:solidFill>
@@ -4804,7 +4804,7 @@
             </a:ln>
             <a:extLst>
               <a:ext uri="{91240B29-F687-4f45-9708-019B960494DF}">
-                <a14:hiddenLine xmlns="" xmlns:a14="http://schemas.microsoft.com/office/drawing/2010/main" w="9525">
+                <a14:hiddenLine xmlns:a14="http://schemas.microsoft.com/office/drawing/2010/main" xmlns="" w="9525">
                   <a:solidFill>
                     <a:srgbClr val="000000"/>
                   </a:solidFill>
@@ -4866,7 +4866,7 @@
             </a:ln>
             <a:extLst>
               <a:ext uri="{91240B29-F687-4f45-9708-019B960494DF}">
-                <a14:hiddenLine xmlns="" xmlns:a14="http://schemas.microsoft.com/office/drawing/2010/main" w="9525">
+                <a14:hiddenLine xmlns:a14="http://schemas.microsoft.com/office/drawing/2010/main" xmlns="" w="9525">
                   <a:solidFill>
                     <a:srgbClr val="000000"/>
                   </a:solidFill>
@@ -4986,7 +4986,7 @@
             </a:ln>
             <a:extLst>
               <a:ext uri="{91240B29-F687-4f45-9708-019B960494DF}">
-                <a14:hiddenLine xmlns="" xmlns:a14="http://schemas.microsoft.com/office/drawing/2010/main" w="9525">
+                <a14:hiddenLine xmlns:a14="http://schemas.microsoft.com/office/drawing/2010/main" xmlns="" w="9525">
                   <a:solidFill>
                     <a:srgbClr val="000000"/>
                   </a:solidFill>
@@ -5054,7 +5054,7 @@
             </a:ln>
             <a:extLst>
               <a:ext uri="{91240B29-F687-4f45-9708-019B960494DF}">
-                <a14:hiddenLine xmlns="" xmlns:a14="http://schemas.microsoft.com/office/drawing/2010/main" w="9525">
+                <a14:hiddenLine xmlns:a14="http://schemas.microsoft.com/office/drawing/2010/main" xmlns="" w="9525">
                   <a:solidFill>
                     <a:srgbClr val="000000"/>
                   </a:solidFill>
@@ -5144,7 +5144,7 @@
             </a:ln>
             <a:extLst>
               <a:ext uri="{91240B29-F687-4f45-9708-019B960494DF}">
-                <a14:hiddenLine xmlns="" xmlns:a14="http://schemas.microsoft.com/office/drawing/2010/main" w="9525">
+                <a14:hiddenLine xmlns:a14="http://schemas.microsoft.com/office/drawing/2010/main" xmlns="" w="9525">
                   <a:solidFill>
                     <a:srgbClr val="000000"/>
                   </a:solidFill>
@@ -5284,7 +5284,7 @@
           <a:p>
             <a:fld id="{1651A07E-D02A-4CEE-9532-E711536F61CB}" type="datetime8">
               <a:rPr lang="he-IL" smtClean="0"/>
-              <a:t>06 ינואר 23</a:t>
+              <a:t>07 ינואר 23</a:t>
             </a:fld>
             <a:endParaRPr lang="he-IL" dirty="0"/>
           </a:p>
@@ -5564,7 +5564,7 @@
           <a:p>
             <a:fld id="{990DDFCC-B47F-4614-BB29-CDBA498A9527}" type="datetime8">
               <a:rPr lang="he-IL" smtClean="0"/>
-              <a:t>06 ינואר 23</a:t>
+              <a:t>07 ינואר 23</a:t>
             </a:fld>
             <a:endParaRPr lang="he-IL" dirty="0"/>
           </a:p>
@@ -5762,7 +5762,7 @@
           <a:p>
             <a:fld id="{990DDFCC-B47F-4614-BB29-CDBA498A9527}" type="datetime8">
               <a:rPr lang="he-IL" smtClean="0"/>
-              <a:t>06 ינואר 23</a:t>
+              <a:t>07 ינואר 23</a:t>
             </a:fld>
             <a:endParaRPr lang="he-IL" dirty="0"/>
           </a:p>
@@ -6027,7 +6027,7 @@
           <a:p>
             <a:fld id="{990DDFCC-B47F-4614-BB29-CDBA498A9527}" type="datetime8">
               <a:rPr lang="he-IL" smtClean="0"/>
-              <a:t>06 ינואר 23</a:t>
+              <a:t>07 ינואר 23</a:t>
             </a:fld>
             <a:endParaRPr lang="he-IL" dirty="0"/>
           </a:p>
@@ -6463,7 +6463,7 @@
           <a:p>
             <a:fld id="{990DDFCC-B47F-4614-BB29-CDBA498A9527}" type="datetime8">
               <a:rPr lang="he-IL" smtClean="0"/>
-              <a:t>06 ינואר 23</a:t>
+              <a:t>07 ינואר 23</a:t>
             </a:fld>
             <a:endParaRPr lang="he-IL" dirty="0"/>
           </a:p>
@@ -7011,7 +7011,7 @@
           <a:p>
             <a:fld id="{990DDFCC-B47F-4614-BB29-CDBA498A9527}" type="datetime8">
               <a:rPr lang="he-IL" smtClean="0"/>
-              <a:t>06 ינואר 23</a:t>
+              <a:t>07 ינואר 23</a:t>
             </a:fld>
             <a:endParaRPr lang="he-IL" dirty="0"/>
           </a:p>
@@ -7733,7 +7733,7 @@
           <a:p>
             <a:fld id="{990DDFCC-B47F-4614-BB29-CDBA498A9527}" type="datetime8">
               <a:rPr lang="he-IL" smtClean="0"/>
-              <a:t>06 ינואר 23</a:t>
+              <a:t>07 ינואר 23</a:t>
             </a:fld>
             <a:endParaRPr lang="he-IL" dirty="0"/>
           </a:p>
@@ -7905,7 +7905,7 @@
           <a:p>
             <a:fld id="{EB5C003A-6A04-43AB-99F9-415D41B3F8BA}" type="datetime8">
               <a:rPr lang="he-IL" smtClean="0"/>
-              <a:t>06 ינואר 23</a:t>
+              <a:t>07 ינואר 23</a:t>
             </a:fld>
             <a:endParaRPr lang="he-IL" dirty="0"/>
           </a:p>
@@ -8099,7 +8099,7 @@
           <a:p>
             <a:fld id="{8B553946-3152-4989-AEFA-F404A93770FF}" type="datetime8">
               <a:rPr lang="he-IL" smtClean="0"/>
-              <a:t>06 ינואר 23</a:t>
+              <a:t>07 ינואר 23</a:t>
             </a:fld>
             <a:endParaRPr lang="he-IL" dirty="0"/>
           </a:p>
@@ -8283,7 +8283,7 @@
           <a:p>
             <a:fld id="{E72EFC9C-9B47-4856-90DC-1DF004C1F98F}" type="datetime8">
               <a:rPr lang="he-IL" smtClean="0"/>
-              <a:t>06 ינואר 23</a:t>
+              <a:t>07 ינואר 23</a:t>
             </a:fld>
             <a:endParaRPr lang="he-IL" dirty="0"/>
           </a:p>
@@ -8547,7 +8547,7 @@
           <a:p>
             <a:fld id="{0D037EC3-2BB0-46A8-8E93-635E16922CAB}" type="datetime8">
               <a:rPr lang="he-IL" smtClean="0"/>
-              <a:t>06 ינואר 23</a:t>
+              <a:t>07 ינואר 23</a:t>
             </a:fld>
             <a:endParaRPr lang="he-IL" dirty="0"/>
           </a:p>
@@ -8793,7 +8793,7 @@
           <a:p>
             <a:fld id="{2DC81EBC-E5FE-4D00-8EFE-4A80A5B58C99}" type="datetime8">
               <a:rPr lang="he-IL" smtClean="0"/>
-              <a:t>06 ינואר 23</a:t>
+              <a:t>07 ינואר 23</a:t>
             </a:fld>
             <a:endParaRPr lang="he-IL" dirty="0"/>
           </a:p>
@@ -9188,7 +9188,7 @@
           <a:p>
             <a:fld id="{8A1B7269-7912-4CFB-9591-9F582F395F70}" type="datetime8">
               <a:rPr lang="he-IL" smtClean="0"/>
-              <a:t>06 ינואר 23</a:t>
+              <a:t>07 ינואר 23</a:t>
             </a:fld>
             <a:endParaRPr lang="he-IL" dirty="0"/>
           </a:p>
@@ -9320,7 +9320,7 @@
           <a:p>
             <a:fld id="{DF7B79A7-C9CE-472D-8FDB-1980D196E6E4}" type="datetime8">
               <a:rPr lang="he-IL" smtClean="0"/>
-              <a:t>06 ינואר 23</a:t>
+              <a:t>07 ינואר 23</a:t>
             </a:fld>
             <a:endParaRPr lang="he-IL" dirty="0"/>
           </a:p>
@@ -9429,7 +9429,7 @@
           <a:p>
             <a:fld id="{2E120E0D-47A9-47D3-BFFA-C9A1E7D3C39E}" type="datetime8">
               <a:rPr lang="he-IL" smtClean="0"/>
-              <a:t>06 ינואר 23</a:t>
+              <a:t>07 ינואר 23</a:t>
             </a:fld>
             <a:endParaRPr lang="he-IL" dirty="0"/>
           </a:p>
@@ -9692,7 +9692,7 @@
           <a:p>
             <a:fld id="{B595DCCB-1074-43D6-8522-D145596F0536}" type="datetime8">
               <a:rPr lang="he-IL" smtClean="0"/>
-              <a:t>06 ינואר 23</a:t>
+              <a:t>07 ינואר 23</a:t>
             </a:fld>
             <a:endParaRPr lang="he-IL" dirty="0"/>
           </a:p>
@@ -9986,7 +9986,7 @@
           <a:p>
             <a:fld id="{D51FE1A8-ABC6-4137-86D5-F6CE66EBEE63}" type="datetime8">
               <a:rPr lang="he-IL" smtClean="0"/>
-              <a:t>06 ינואר 23</a:t>
+              <a:t>07 ינואר 23</a:t>
             </a:fld>
             <a:endParaRPr lang="he-IL" dirty="0"/>
           </a:p>
@@ -10116,7 +10116,7 @@
           <a:noFill/>
           <a:extLst>
             <a:ext uri="{909E8E84-426E-40dd-AFC4-6F175D3DCCD1}">
-              <a14:hiddenFill xmlns="" xmlns:a14="http://schemas.microsoft.com/office/drawing/2010/main">
+              <a14:hiddenFill xmlns:a14="http://schemas.microsoft.com/office/drawing/2010/main" xmlns="">
                 <a:solidFill>
                   <a:srgbClr val="FFFFFF"/>
                 </a:solidFill>
@@ -10190,7 +10190,7 @@
               </a:ln>
               <a:extLst>
                 <a:ext uri="{91240B29-F687-4f45-9708-019B960494DF}">
-                  <a14:hiddenLine xmlns="" xmlns:a14="http://schemas.microsoft.com/office/drawing/2010/main" w="9525">
+                  <a14:hiddenLine xmlns:a14="http://schemas.microsoft.com/office/drawing/2010/main" xmlns="" w="9525">
                     <a:solidFill>
                       <a:srgbClr val="000000"/>
                     </a:solidFill>
@@ -10280,7 +10280,7 @@
               </a:ln>
               <a:extLst>
                 <a:ext uri="{91240B29-F687-4f45-9708-019B960494DF}">
-                  <a14:hiddenLine xmlns="" xmlns:a14="http://schemas.microsoft.com/office/drawing/2010/main" w="9525">
+                  <a14:hiddenLine xmlns:a14="http://schemas.microsoft.com/office/drawing/2010/main" xmlns="" w="9525">
                     <a:solidFill>
                       <a:srgbClr val="000000"/>
                     </a:solidFill>
@@ -10370,7 +10370,7 @@
               </a:ln>
               <a:extLst>
                 <a:ext uri="{91240B29-F687-4f45-9708-019B960494DF}">
-                  <a14:hiddenLine xmlns="" xmlns:a14="http://schemas.microsoft.com/office/drawing/2010/main" w="9525">
+                  <a14:hiddenLine xmlns:a14="http://schemas.microsoft.com/office/drawing/2010/main" xmlns="" w="9525">
                     <a:solidFill>
                       <a:srgbClr val="000000"/>
                     </a:solidFill>
@@ -10432,7 +10432,7 @@
               </a:ln>
               <a:extLst>
                 <a:ext uri="{91240B29-F687-4f45-9708-019B960494DF}">
-                  <a14:hiddenLine xmlns="" xmlns:a14="http://schemas.microsoft.com/office/drawing/2010/main" w="9525">
+                  <a14:hiddenLine xmlns:a14="http://schemas.microsoft.com/office/drawing/2010/main" xmlns="" w="9525">
                     <a:solidFill>
                       <a:srgbClr val="000000"/>
                     </a:solidFill>
@@ -10522,7 +10522,7 @@
               </a:ln>
               <a:extLst>
                 <a:ext uri="{91240B29-F687-4f45-9708-019B960494DF}">
-                  <a14:hiddenLine xmlns="" xmlns:a14="http://schemas.microsoft.com/office/drawing/2010/main" w="9525">
+                  <a14:hiddenLine xmlns:a14="http://schemas.microsoft.com/office/drawing/2010/main" xmlns="" w="9525">
                     <a:solidFill>
                       <a:srgbClr val="000000"/>
                     </a:solidFill>
@@ -10584,7 +10584,7 @@
               </a:ln>
               <a:extLst>
                 <a:ext uri="{91240B29-F687-4f45-9708-019B960494DF}">
-                  <a14:hiddenLine xmlns="" xmlns:a14="http://schemas.microsoft.com/office/drawing/2010/main" w="9525">
+                  <a14:hiddenLine xmlns:a14="http://schemas.microsoft.com/office/drawing/2010/main" xmlns="" w="9525">
                     <a:solidFill>
                       <a:srgbClr val="000000"/>
                     </a:solidFill>
@@ -10646,7 +10646,7 @@
               </a:ln>
               <a:extLst>
                 <a:ext uri="{91240B29-F687-4f45-9708-019B960494DF}">
-                  <a14:hiddenLine xmlns="" xmlns:a14="http://schemas.microsoft.com/office/drawing/2010/main" w="9525">
+                  <a14:hiddenLine xmlns:a14="http://schemas.microsoft.com/office/drawing/2010/main" xmlns="" w="9525">
                     <a:solidFill>
                       <a:srgbClr val="000000"/>
                     </a:solidFill>
@@ -10736,7 +10736,7 @@
               </a:ln>
               <a:extLst>
                 <a:ext uri="{91240B29-F687-4f45-9708-019B960494DF}">
-                  <a14:hiddenLine xmlns="" xmlns:a14="http://schemas.microsoft.com/office/drawing/2010/main" w="9525">
+                  <a14:hiddenLine xmlns:a14="http://schemas.microsoft.com/office/drawing/2010/main" xmlns="" w="9525">
                     <a:solidFill>
                       <a:srgbClr val="000000"/>
                     </a:solidFill>
@@ -10826,7 +10826,7 @@
               </a:ln>
               <a:extLst>
                 <a:ext uri="{91240B29-F687-4f45-9708-019B960494DF}">
-                  <a14:hiddenLine xmlns="" xmlns:a14="http://schemas.microsoft.com/office/drawing/2010/main" w="9525">
+                  <a14:hiddenLine xmlns:a14="http://schemas.microsoft.com/office/drawing/2010/main" xmlns="" w="9525">
                     <a:solidFill>
                       <a:srgbClr val="000000"/>
                     </a:solidFill>
@@ -10888,7 +10888,7 @@
               </a:ln>
               <a:extLst>
                 <a:ext uri="{91240B29-F687-4f45-9708-019B960494DF}">
-                  <a14:hiddenLine xmlns="" xmlns:a14="http://schemas.microsoft.com/office/drawing/2010/main" w="9525">
+                  <a14:hiddenLine xmlns:a14="http://schemas.microsoft.com/office/drawing/2010/main" xmlns="" w="9525">
                     <a:solidFill>
                       <a:srgbClr val="000000"/>
                     </a:solidFill>
@@ -10998,7 +10998,7 @@
               </a:ln>
               <a:extLst>
                 <a:ext uri="{91240B29-F687-4f45-9708-019B960494DF}">
-                  <a14:hiddenLine xmlns="" xmlns:a14="http://schemas.microsoft.com/office/drawing/2010/main" w="9525">
+                  <a14:hiddenLine xmlns:a14="http://schemas.microsoft.com/office/drawing/2010/main" xmlns="" w="9525">
                     <a:solidFill>
                       <a:srgbClr val="000000"/>
                     </a:solidFill>
@@ -11082,7 +11082,7 @@
               </a:ln>
               <a:extLst>
                 <a:ext uri="{91240B29-F687-4f45-9708-019B960494DF}">
-                  <a14:hiddenLine xmlns="" xmlns:a14="http://schemas.microsoft.com/office/drawing/2010/main" w="9525">
+                  <a14:hiddenLine xmlns:a14="http://schemas.microsoft.com/office/drawing/2010/main" xmlns="" w="9525">
                     <a:solidFill>
                       <a:srgbClr val="000000"/>
                     </a:solidFill>
@@ -11144,7 +11144,7 @@
               </a:ln>
               <a:extLst>
                 <a:ext uri="{91240B29-F687-4f45-9708-019B960494DF}">
-                  <a14:hiddenLine xmlns="" xmlns:a14="http://schemas.microsoft.com/office/drawing/2010/main" w="9525">
+                  <a14:hiddenLine xmlns:a14="http://schemas.microsoft.com/office/drawing/2010/main" xmlns="" w="9525">
                     <a:solidFill>
                       <a:srgbClr val="000000"/>
                     </a:solidFill>
@@ -11206,7 +11206,7 @@
               </a:ln>
               <a:extLst>
                 <a:ext uri="{91240B29-F687-4f45-9708-019B960494DF}">
-                  <a14:hiddenLine xmlns="" xmlns:a14="http://schemas.microsoft.com/office/drawing/2010/main" w="9525">
+                  <a14:hiddenLine xmlns:a14="http://schemas.microsoft.com/office/drawing/2010/main" xmlns="" w="9525">
                     <a:solidFill>
                       <a:srgbClr val="000000"/>
                     </a:solidFill>
@@ -11296,7 +11296,7 @@
               </a:ln>
               <a:extLst>
                 <a:ext uri="{91240B29-F687-4f45-9708-019B960494DF}">
-                  <a14:hiddenLine xmlns="" xmlns:a14="http://schemas.microsoft.com/office/drawing/2010/main" w="9525">
+                  <a14:hiddenLine xmlns:a14="http://schemas.microsoft.com/office/drawing/2010/main" xmlns="" w="9525">
                     <a:solidFill>
                       <a:srgbClr val="000000"/>
                     </a:solidFill>
@@ -11330,7 +11330,7 @@
               </a:ln>
               <a:extLst>
                 <a:ext uri="{91240B29-F687-4f45-9708-019B960494DF}">
-                  <a14:hiddenLine xmlns="" xmlns:a14="http://schemas.microsoft.com/office/drawing/2010/main" w="9525">
+                  <a14:hiddenLine xmlns:a14="http://schemas.microsoft.com/office/drawing/2010/main" xmlns="" w="9525">
                     <a:solidFill>
                       <a:srgbClr val="000000"/>
                     </a:solidFill>
@@ -11395,7 +11395,7 @@
               </a:ln>
               <a:extLst>
                 <a:ext uri="{91240B29-F687-4f45-9708-019B960494DF}">
-                  <a14:hiddenLine xmlns="" xmlns:a14="http://schemas.microsoft.com/office/drawing/2010/main" w="9525">
+                  <a14:hiddenLine xmlns:a14="http://schemas.microsoft.com/office/drawing/2010/main" xmlns="" w="9525">
                     <a:solidFill>
                       <a:srgbClr val="000000"/>
                     </a:solidFill>
@@ -11485,7 +11485,7 @@
               </a:ln>
               <a:extLst>
                 <a:ext uri="{91240B29-F687-4f45-9708-019B960494DF}">
-                  <a14:hiddenLine xmlns="" xmlns:a14="http://schemas.microsoft.com/office/drawing/2010/main" w="9525">
+                  <a14:hiddenLine xmlns:a14="http://schemas.microsoft.com/office/drawing/2010/main" xmlns="" w="9525">
                     <a:solidFill>
                       <a:srgbClr val="000000"/>
                     </a:solidFill>
@@ -11547,7 +11547,7 @@
               </a:ln>
               <a:extLst>
                 <a:ext uri="{91240B29-F687-4f45-9708-019B960494DF}">
-                  <a14:hiddenLine xmlns="" xmlns:a14="http://schemas.microsoft.com/office/drawing/2010/main" w="9525">
+                  <a14:hiddenLine xmlns:a14="http://schemas.microsoft.com/office/drawing/2010/main" xmlns="" w="9525">
                     <a:solidFill>
                       <a:srgbClr val="000000"/>
                     </a:solidFill>
@@ -11637,7 +11637,7 @@
               </a:ln>
               <a:extLst>
                 <a:ext uri="{91240B29-F687-4f45-9708-019B960494DF}">
-                  <a14:hiddenLine xmlns="" xmlns:a14="http://schemas.microsoft.com/office/drawing/2010/main" w="9525">
+                  <a14:hiddenLine xmlns:a14="http://schemas.microsoft.com/office/drawing/2010/main" xmlns="" w="9525">
                     <a:solidFill>
                       <a:srgbClr val="000000"/>
                     </a:solidFill>
@@ -11702,7 +11702,7 @@
               </a:ln>
               <a:extLst>
                 <a:ext uri="{91240B29-F687-4f45-9708-019B960494DF}">
-                  <a14:hiddenLine xmlns="" xmlns:a14="http://schemas.microsoft.com/office/drawing/2010/main" w="9525">
+                  <a14:hiddenLine xmlns:a14="http://schemas.microsoft.com/office/drawing/2010/main" xmlns="" w="9525">
                     <a:solidFill>
                       <a:srgbClr val="000000"/>
                     </a:solidFill>
@@ -11764,7 +11764,7 @@
               </a:ln>
               <a:extLst>
                 <a:ext uri="{91240B29-F687-4f45-9708-019B960494DF}">
-                  <a14:hiddenLine xmlns="" xmlns:a14="http://schemas.microsoft.com/office/drawing/2010/main" w="9525">
+                  <a14:hiddenLine xmlns:a14="http://schemas.microsoft.com/office/drawing/2010/main" xmlns="" w="9525">
                     <a:solidFill>
                       <a:srgbClr val="000000"/>
                     </a:solidFill>
@@ -11854,7 +11854,7 @@
               </a:ln>
               <a:extLst>
                 <a:ext uri="{91240B29-F687-4f45-9708-019B960494DF}">
-                  <a14:hiddenLine xmlns="" xmlns:a14="http://schemas.microsoft.com/office/drawing/2010/main" w="9525">
+                  <a14:hiddenLine xmlns:a14="http://schemas.microsoft.com/office/drawing/2010/main" xmlns="" w="9525">
                     <a:solidFill>
                       <a:srgbClr val="000000"/>
                     </a:solidFill>
@@ -11944,7 +11944,7 @@
               </a:ln>
               <a:extLst>
                 <a:ext uri="{91240B29-F687-4f45-9708-019B960494DF}">
-                  <a14:hiddenLine xmlns="" xmlns:a14="http://schemas.microsoft.com/office/drawing/2010/main" w="9525">
+                  <a14:hiddenLine xmlns:a14="http://schemas.microsoft.com/office/drawing/2010/main" xmlns="" w="9525">
                     <a:solidFill>
                       <a:srgbClr val="000000"/>
                     </a:solidFill>
@@ -12009,7 +12009,7 @@
               </a:ln>
               <a:extLst>
                 <a:ext uri="{91240B29-F687-4f45-9708-019B960494DF}">
-                  <a14:hiddenLine xmlns="" xmlns:a14="http://schemas.microsoft.com/office/drawing/2010/main" w="9525">
+                  <a14:hiddenLine xmlns:a14="http://schemas.microsoft.com/office/drawing/2010/main" xmlns="" w="9525">
                     <a:solidFill>
                       <a:srgbClr val="000000"/>
                     </a:solidFill>
@@ -12129,7 +12129,7 @@
               </a:ln>
               <a:extLst>
                 <a:ext uri="{91240B29-F687-4f45-9708-019B960494DF}">
-                  <a14:hiddenLine xmlns="" xmlns:a14="http://schemas.microsoft.com/office/drawing/2010/main" w="9525">
+                  <a14:hiddenLine xmlns:a14="http://schemas.microsoft.com/office/drawing/2010/main" xmlns="" w="9525">
                     <a:solidFill>
                       <a:srgbClr val="000000"/>
                     </a:solidFill>
@@ -12227,7 +12227,7 @@
               </a:ln>
               <a:extLst>
                 <a:ext uri="{91240B29-F687-4f45-9708-019B960494DF}">
-                  <a14:hiddenLine xmlns="" xmlns:a14="http://schemas.microsoft.com/office/drawing/2010/main" w="9525">
+                  <a14:hiddenLine xmlns:a14="http://schemas.microsoft.com/office/drawing/2010/main" xmlns="" w="9525">
                     <a:solidFill>
                       <a:srgbClr val="000000"/>
                     </a:solidFill>
@@ -12342,7 +12342,7 @@
               </a:ln>
               <a:extLst>
                 <a:ext uri="{91240B29-F687-4f45-9708-019B960494DF}">
-                  <a14:hiddenLine xmlns="" xmlns:a14="http://schemas.microsoft.com/office/drawing/2010/main" w="9525">
+                  <a14:hiddenLine xmlns:a14="http://schemas.microsoft.com/office/drawing/2010/main" xmlns="" w="9525">
                     <a:solidFill>
                       <a:srgbClr val="000000"/>
                     </a:solidFill>
@@ -12432,7 +12432,7 @@
               </a:ln>
               <a:extLst>
                 <a:ext uri="{91240B29-F687-4f45-9708-019B960494DF}">
-                  <a14:hiddenLine xmlns="" xmlns:a14="http://schemas.microsoft.com/office/drawing/2010/main" w="9525">
+                  <a14:hiddenLine xmlns:a14="http://schemas.microsoft.com/office/drawing/2010/main" xmlns="" w="9525">
                     <a:solidFill>
                       <a:srgbClr val="000000"/>
                     </a:solidFill>
@@ -12497,7 +12497,7 @@
               </a:ln>
               <a:extLst>
                 <a:ext uri="{91240B29-F687-4f45-9708-019B960494DF}">
-                  <a14:hiddenLine xmlns="" xmlns:a14="http://schemas.microsoft.com/office/drawing/2010/main" w="9525">
+                  <a14:hiddenLine xmlns:a14="http://schemas.microsoft.com/office/drawing/2010/main" xmlns="" w="9525">
                     <a:solidFill>
                       <a:srgbClr val="000000"/>
                     </a:solidFill>
@@ -12587,7 +12587,7 @@
               </a:ln>
               <a:extLst>
                 <a:ext uri="{91240B29-F687-4f45-9708-019B960494DF}">
-                  <a14:hiddenLine xmlns="" xmlns:a14="http://schemas.microsoft.com/office/drawing/2010/main" w="9525">
+                  <a14:hiddenLine xmlns:a14="http://schemas.microsoft.com/office/drawing/2010/main" xmlns="" w="9525">
                     <a:solidFill>
                       <a:srgbClr val="000000"/>
                     </a:solidFill>
@@ -12655,7 +12655,7 @@
               </a:ln>
               <a:extLst>
                 <a:ext uri="{91240B29-F687-4f45-9708-019B960494DF}">
-                  <a14:hiddenLine xmlns="" xmlns:a14="http://schemas.microsoft.com/office/drawing/2010/main" w="9525">
+                  <a14:hiddenLine xmlns:a14="http://schemas.microsoft.com/office/drawing/2010/main" xmlns="" w="9525">
                     <a:solidFill>
                       <a:srgbClr val="000000"/>
                     </a:solidFill>
@@ -12745,7 +12745,7 @@
               </a:ln>
               <a:extLst>
                 <a:ext uri="{91240B29-F687-4f45-9708-019B960494DF}">
-                  <a14:hiddenLine xmlns="" xmlns:a14="http://schemas.microsoft.com/office/drawing/2010/main" w="9525">
+                  <a14:hiddenLine xmlns:a14="http://schemas.microsoft.com/office/drawing/2010/main" xmlns="" w="9525">
                     <a:solidFill>
                       <a:srgbClr val="000000"/>
                     </a:solidFill>
@@ -12813,7 +12813,7 @@
               </a:ln>
               <a:extLst>
                 <a:ext uri="{91240B29-F687-4f45-9708-019B960494DF}">
-                  <a14:hiddenLine xmlns="" xmlns:a14="http://schemas.microsoft.com/office/drawing/2010/main" w="9525">
+                  <a14:hiddenLine xmlns:a14="http://schemas.microsoft.com/office/drawing/2010/main" xmlns="" w="9525">
                     <a:solidFill>
                       <a:srgbClr val="000000"/>
                     </a:solidFill>
@@ -12903,7 +12903,7 @@
               </a:ln>
               <a:extLst>
                 <a:ext uri="{91240B29-F687-4f45-9708-019B960494DF}">
-                  <a14:hiddenLine xmlns="" xmlns:a14="http://schemas.microsoft.com/office/drawing/2010/main" w="9525">
+                  <a14:hiddenLine xmlns:a14="http://schemas.microsoft.com/office/drawing/2010/main" xmlns="" w="9525">
                     <a:solidFill>
                       <a:srgbClr val="000000"/>
                     </a:solidFill>
@@ -12937,7 +12937,7 @@
               </a:ln>
               <a:extLst>
                 <a:ext uri="{91240B29-F687-4f45-9708-019B960494DF}">
-                  <a14:hiddenLine xmlns="" xmlns:a14="http://schemas.microsoft.com/office/drawing/2010/main" w="9525">
+                  <a14:hiddenLine xmlns:a14="http://schemas.microsoft.com/office/drawing/2010/main" xmlns="" w="9525">
                     <a:solidFill>
                       <a:srgbClr val="000000"/>
                     </a:solidFill>
@@ -13077,7 +13077,7 @@
           <a:p>
             <a:fld id="{990DDFCC-B47F-4614-BB29-CDBA498A9527}" type="datetime8">
               <a:rPr lang="he-IL" smtClean="0"/>
-              <a:t>06 ינואר 23</a:t>
+              <a:t>07 ינואר 23</a:t>
             </a:fld>
             <a:endParaRPr lang="he-IL" dirty="0"/>
           </a:p>
@@ -15579,13 +15579,13 @@
   <p:clrMapOvr>
     <a:masterClrMapping/>
   </p:clrMapOvr>
-  <mc:AlternateContent xmlns:mc="http://schemas.openxmlformats.org/markup-compatibility/2006">
-    <mc:Choice xmlns:p14="http://schemas.microsoft.com/office/powerpoint/2010/main" Requires="p14">
+  <mc:AlternateContent xmlns:mc="http://schemas.openxmlformats.org/markup-compatibility/2006" xmlns:p14="http://schemas.microsoft.com/office/powerpoint/2010/main">
+    <mc:Choice Requires="p14">
       <p:transition spd="med" p14:dur="700">
         <p:fade/>
       </p:transition>
     </mc:Choice>
-    <mc:Fallback>
+    <mc:Fallback xmlns="">
       <p:transition spd="med">
         <p:fade/>
       </p:transition>
@@ -16343,13 +16343,13 @@
   <p:clrMapOvr>
     <a:masterClrMapping/>
   </p:clrMapOvr>
-  <mc:AlternateContent xmlns:mc="http://schemas.openxmlformats.org/markup-compatibility/2006">
-    <mc:Choice xmlns:p14="http://schemas.microsoft.com/office/powerpoint/2010/main" Requires="p14">
+  <mc:AlternateContent xmlns:mc="http://schemas.openxmlformats.org/markup-compatibility/2006" xmlns:p14="http://schemas.microsoft.com/office/powerpoint/2010/main">
+    <mc:Choice Requires="p14">
       <p:transition spd="med" p14:dur="700">
         <p:fade/>
       </p:transition>
     </mc:Choice>
-    <mc:Fallback>
+    <mc:Fallback xmlns="">
       <p:transition spd="med">
         <p:fade/>
       </p:transition>
@@ -17491,13 +17491,13 @@
   <p:clrMapOvr>
     <a:masterClrMapping/>
   </p:clrMapOvr>
-  <mc:AlternateContent xmlns:mc="http://schemas.openxmlformats.org/markup-compatibility/2006">
-    <mc:Choice xmlns:p14="http://schemas.microsoft.com/office/powerpoint/2010/main" Requires="p14">
+  <mc:AlternateContent xmlns:mc="http://schemas.openxmlformats.org/markup-compatibility/2006" xmlns:p14="http://schemas.microsoft.com/office/powerpoint/2010/main">
+    <mc:Choice Requires="p14">
       <p:transition spd="med" p14:dur="700">
         <p:fade/>
       </p:transition>
     </mc:Choice>
-    <mc:Fallback>
+    <mc:Fallback xmlns="">
       <p:transition spd="med">
         <p:fade/>
       </p:transition>
@@ -17600,7 +17600,7 @@
         </p:spPr>
         <p:txBody>
           <a:bodyPr>
-            <a:normAutofit fontScale="85000" lnSpcReduction="20000"/>
+            <a:normAutofit fontScale="85000" lnSpcReduction="10000"/>
           </a:bodyPr>
           <a:lstStyle/>
           <a:p>
@@ -17657,7 +17657,7 @@
             </a:r>
             <a:r>
               <a:rPr lang="en-US" b="1" dirty="0"/>
-              <a:t>: {'Accuracy': 0.9789803921568627, 'Precision': 0.9555596413228387, 'Recall': 0.9377326913612234, 'F1': 0.9464074819358552} </a:t>
+              <a:t>: {'Accuracy': 1.0, 'Precision': 1.0, 'Recall': 1.0, 'F1': 1.0} </a:t>
             </a:r>
           </a:p>
           <a:p>
@@ -17691,24 +17691,32 @@
             </a:r>
             <a:r>
               <a:rPr lang="en-US" b="1" dirty="0"/>
-              <a:t>: {'Accuracy': 0.9787450980392157, 'Precision': 0.8766285695578317, 'Recall': 0.8621014683570688, 'F1': 0.85552202395748} </a:t>
+              <a:t>: {'Accuracy': 0.999921568627451, 'Precision': 0.9991258741258742, 'Recall': 0.9995659722222222, 'F1': 0.9993440122044241} </a:t>
             </a:r>
           </a:p>
           <a:p>
             <a:pPr marL="0" indent="0" algn="l" rtl="0">
               <a:buNone/>
             </a:pPr>
+            <a:r>
+              <a:rPr lang="en-US" b="1">
+                <a:highlight>
+                  <a:srgbClr val="C0C0C0"/>
+                </a:highlight>
+              </a:rPr>
+              <a:t>Dataset</a:t>
+            </a:r>
             <a:r>
               <a:rPr lang="en-US" b="1" dirty="0">
                 <a:highlight>
                   <a:srgbClr val="C0C0C0"/>
                 </a:highlight>
               </a:rPr>
-              <a:t>Dataset_attack_type_4 scores</a:t>
+              <a:t>_attack_type_4 scores</a:t>
             </a:r>
             <a:r>
               <a:rPr lang="en-US" b="1" dirty="0"/>
-              <a:t>: {'Accuracy': 0.9993799026447152, 'Precision': 0.9962383126766688, 'Recall': 0.9976080102574671, 'F1': 0.9968965233735454} </a:t>
+              <a:t>: {'Accuracy': 0.9997209561901218, 'Precision': 0.9982841325848579, 'Recall': 0.9988097701973471, 'F1': 0.998542694844037} </a:t>
             </a:r>
           </a:p>
           <a:p>
@@ -18621,6 +18629,151 @@
 </file>
 
 <file path=customXml/item1.xml><?xml version="1.0" encoding="utf-8"?>
+<?mso-contentType ?>
+<FormTemplates xmlns="http://schemas.microsoft.com/sharepoint/v3/contenttype/forms">
+  <Display>DocumentLibraryForm</Display>
+  <Edit>AssetEditForm</Edit>
+  <New>DocumentLibraryForm</New>
+</FormTemplates>
+</file>
+
+<file path=customXml/item2.xml><?xml version="1.0" encoding="utf-8"?>
+<p:properties xmlns:p="http://schemas.microsoft.com/office/2006/metadata/properties" xmlns:xsi="http://www.w3.org/2001/XMLSchema-instance" xmlns:pc="http://schemas.microsoft.com/office/infopath/2007/PartnerControls">
+  <documentManagement>
+    <LocPublishedLinkedAssetsLookup xmlns="4873beb7-5857-4685-be1f-d57550cc96cc" xsi:nil="true"/>
+    <ApprovalStatus xmlns="4873beb7-5857-4685-be1f-d57550cc96cc">InProgress</ApprovalStatus>
+    <MarketSpecific xmlns="4873beb7-5857-4685-be1f-d57550cc96cc">false</MarketSpecific>
+    <LocComments xmlns="4873beb7-5857-4685-be1f-d57550cc96cc" xsi:nil="true"/>
+    <LocLastLocAttemptVersionTypeLookup xmlns="4873beb7-5857-4685-be1f-d57550cc96cc" xsi:nil="true"/>
+    <DirectSourceMarket xmlns="4873beb7-5857-4685-be1f-d57550cc96cc" xsi:nil="true"/>
+    <ThumbnailAssetId xmlns="4873beb7-5857-4685-be1f-d57550cc96cc" xsi:nil="true"/>
+    <PrimaryImageGen xmlns="4873beb7-5857-4685-be1f-d57550cc96cc">false</PrimaryImageGen>
+    <LocNewPublishedVersionLookup xmlns="4873beb7-5857-4685-be1f-d57550cc96cc" xsi:nil="true"/>
+    <LegacyData xmlns="4873beb7-5857-4685-be1f-d57550cc96cc" xsi:nil="true"/>
+    <LocRecommendedHandoff xmlns="4873beb7-5857-4685-be1f-d57550cc96cc" xsi:nil="true"/>
+    <BusinessGroup xmlns="4873beb7-5857-4685-be1f-d57550cc96cc" xsi:nil="true"/>
+    <BlockPublish xmlns="4873beb7-5857-4685-be1f-d57550cc96cc">false</BlockPublish>
+    <TPFriendlyName xmlns="4873beb7-5857-4685-be1f-d57550cc96cc" xsi:nil="true"/>
+    <LocOverallPublishStatusLookup xmlns="4873beb7-5857-4685-be1f-d57550cc96cc" xsi:nil="true"/>
+    <NumericId xmlns="4873beb7-5857-4685-be1f-d57550cc96cc" xsi:nil="true"/>
+    <APEditor xmlns="4873beb7-5857-4685-be1f-d57550cc96cc">
+      <UserInfo>
+        <DisplayName/>
+        <AccountId xsi:nil="true"/>
+        <AccountType/>
+      </UserInfo>
+    </APEditor>
+    <SourceTitle xmlns="4873beb7-5857-4685-be1f-d57550cc96cc" xsi:nil="true"/>
+    <OpenTemplate xmlns="4873beb7-5857-4685-be1f-d57550cc96cc">true</OpenTemplate>
+    <LocOverallLocStatusLookup xmlns="4873beb7-5857-4685-be1f-d57550cc96cc" xsi:nil="true"/>
+    <UALocComments xmlns="4873beb7-5857-4685-be1f-d57550cc96cc" xsi:nil="true"/>
+    <ParentAssetId xmlns="4873beb7-5857-4685-be1f-d57550cc96cc" xsi:nil="true"/>
+    <IntlLangReviewDate xmlns="4873beb7-5857-4685-be1f-d57550cc96cc" xsi:nil="true"/>
+    <FeatureTagsTaxHTField0 xmlns="4873beb7-5857-4685-be1f-d57550cc96cc">
+      <Terms xmlns="http://schemas.microsoft.com/office/infopath/2007/PartnerControls"/>
+    </FeatureTagsTaxHTField0>
+    <PublishStatusLookup xmlns="4873beb7-5857-4685-be1f-d57550cc96cc">
+      <Value>1345093</Value>
+    </PublishStatusLookup>
+    <Providers xmlns="4873beb7-5857-4685-be1f-d57550cc96cc" xsi:nil="true"/>
+    <MachineTranslated xmlns="4873beb7-5857-4685-be1f-d57550cc96cc">false</MachineTranslated>
+    <OriginalSourceMarket xmlns="4873beb7-5857-4685-be1f-d57550cc96cc" xsi:nil="true"/>
+    <APDescription xmlns="4873beb7-5857-4685-be1f-d57550cc96cc">This simple template design works for technology and  businesses, but it's versatile enough to use in other contexts.  It features multiple slide layouts designed for widescreen (16x9 resolution) and includes a sample SmartArt list and chart that are easily editable.</APDescription>
+    <ClipArtFilename xmlns="4873beb7-5857-4685-be1f-d57550cc96cc" xsi:nil="true"/>
+    <ContentItem xmlns="4873beb7-5857-4685-be1f-d57550cc96cc" xsi:nil="true"/>
+    <TPInstallLocation xmlns="4873beb7-5857-4685-be1f-d57550cc96cc" xsi:nil="true"/>
+    <PublishTargets xmlns="4873beb7-5857-4685-be1f-d57550cc96cc">OfficeOnlineVNext</PublishTargets>
+    <TimesCloned xmlns="4873beb7-5857-4685-be1f-d57550cc96cc" xsi:nil="true"/>
+    <AssetStart xmlns="4873beb7-5857-4685-be1f-d57550cc96cc">2011-11-26T00:30:00+00:00</AssetStart>
+    <Provider xmlns="4873beb7-5857-4685-be1f-d57550cc96cc" xsi:nil="true"/>
+    <AcquiredFrom xmlns="4873beb7-5857-4685-be1f-d57550cc96cc">Internal MS</AcquiredFrom>
+    <FriendlyTitle xmlns="4873beb7-5857-4685-be1f-d57550cc96cc" xsi:nil="true"/>
+    <LastHandOff xmlns="4873beb7-5857-4685-be1f-d57550cc96cc" xsi:nil="true"/>
+    <TPClientViewer xmlns="4873beb7-5857-4685-be1f-d57550cc96cc" xsi:nil="true"/>
+    <TemplateStatus xmlns="4873beb7-5857-4685-be1f-d57550cc96cc">Complete</TemplateStatus>
+    <Downloads xmlns="4873beb7-5857-4685-be1f-d57550cc96cc">0</Downloads>
+    <OOCacheId xmlns="4873beb7-5857-4685-be1f-d57550cc96cc" xsi:nil="true"/>
+    <IsDeleted xmlns="4873beb7-5857-4685-be1f-d57550cc96cc">false</IsDeleted>
+    <LocPublishedDependentAssetsLookup xmlns="4873beb7-5857-4685-be1f-d57550cc96cc" xsi:nil="true"/>
+    <TPExecutable xmlns="4873beb7-5857-4685-be1f-d57550cc96cc" xsi:nil="true"/>
+    <EditorialTags xmlns="4873beb7-5857-4685-be1f-d57550cc96cc" xsi:nil="true"/>
+    <SubmitterId xmlns="4873beb7-5857-4685-be1f-d57550cc96cc" xsi:nil="true"/>
+    <ApprovalLog xmlns="4873beb7-5857-4685-be1f-d57550cc96cc" xsi:nil="true"/>
+    <AssetType xmlns="4873beb7-5857-4685-be1f-d57550cc96cc">TP</AssetType>
+    <BugNumber xmlns="4873beb7-5857-4685-be1f-d57550cc96cc" xsi:nil="true"/>
+    <CSXSubmissionDate xmlns="4873beb7-5857-4685-be1f-d57550cc96cc" xsi:nil="true"/>
+    <CSXUpdate xmlns="4873beb7-5857-4685-be1f-d57550cc96cc">false</CSXUpdate>
+    <Milestone xmlns="4873beb7-5857-4685-be1f-d57550cc96cc" xsi:nil="true"/>
+    <RecommendationsModifier xmlns="4873beb7-5857-4685-be1f-d57550cc96cc" xsi:nil="true"/>
+    <OriginAsset xmlns="4873beb7-5857-4685-be1f-d57550cc96cc" xsi:nil="true"/>
+    <TPComponent xmlns="4873beb7-5857-4685-be1f-d57550cc96cc" xsi:nil="true"/>
+    <AssetId xmlns="4873beb7-5857-4685-be1f-d57550cc96cc">TP102787989</AssetId>
+    <IntlLocPriority xmlns="4873beb7-5857-4685-be1f-d57550cc96cc" xsi:nil="true"/>
+    <PolicheckWords xmlns="4873beb7-5857-4685-be1f-d57550cc96cc" xsi:nil="true"/>
+    <TPLaunchHelpLink xmlns="4873beb7-5857-4685-be1f-d57550cc96cc" xsi:nil="true"/>
+    <TPApplication xmlns="4873beb7-5857-4685-be1f-d57550cc96cc" xsi:nil="true"/>
+    <CrawlForDependencies xmlns="4873beb7-5857-4685-be1f-d57550cc96cc">false</CrawlForDependencies>
+    <HandoffToMSDN xmlns="4873beb7-5857-4685-be1f-d57550cc96cc" xsi:nil="true"/>
+    <PlannedPubDate xmlns="4873beb7-5857-4685-be1f-d57550cc96cc" xsi:nil="true"/>
+    <IntlLangReviewer xmlns="4873beb7-5857-4685-be1f-d57550cc96cc" xsi:nil="true"/>
+    <TrustLevel xmlns="4873beb7-5857-4685-be1f-d57550cc96cc">1 Microsoft Managed Content</TrustLevel>
+    <LocLastLocAttemptVersionLookup xmlns="4873beb7-5857-4685-be1f-d57550cc96cc">694266</LocLastLocAttemptVersionLookup>
+    <LocProcessedForHandoffsLookup xmlns="4873beb7-5857-4685-be1f-d57550cc96cc" xsi:nil="true"/>
+    <IsSearchable xmlns="4873beb7-5857-4685-be1f-d57550cc96cc">true</IsSearchable>
+    <TemplateTemplateType xmlns="4873beb7-5857-4685-be1f-d57550cc96cc">PowerPoint Presentation Template</TemplateTemplateType>
+    <CampaignTagsTaxHTField0 xmlns="4873beb7-5857-4685-be1f-d57550cc96cc">
+      <Terms xmlns="http://schemas.microsoft.com/office/infopath/2007/PartnerControls"/>
+    </CampaignTagsTaxHTField0>
+    <TPNamespace xmlns="4873beb7-5857-4685-be1f-d57550cc96cc" xsi:nil="true"/>
+    <LocOverallPreviewStatusLookup xmlns="4873beb7-5857-4685-be1f-d57550cc96cc" xsi:nil="true"/>
+    <TaxCatchAll xmlns="4873beb7-5857-4685-be1f-d57550cc96cc"/>
+    <Markets xmlns="4873beb7-5857-4685-be1f-d57550cc96cc"/>
+    <UAProjectedTotalWords xmlns="4873beb7-5857-4685-be1f-d57550cc96cc" xsi:nil="true"/>
+    <IntlLangReview xmlns="4873beb7-5857-4685-be1f-d57550cc96cc" xsi:nil="true"/>
+    <OutputCachingOn xmlns="4873beb7-5857-4685-be1f-d57550cc96cc">false</OutputCachingOn>
+    <AverageRating xmlns="4873beb7-5857-4685-be1f-d57550cc96cc" xsi:nil="true"/>
+    <APAuthor xmlns="4873beb7-5857-4685-be1f-d57550cc96cc">
+      <UserInfo>
+        <DisplayName>REDMOND\kristaa</DisplayName>
+        <AccountId>136</AccountId>
+        <AccountType/>
+      </UserInfo>
+    </APAuthor>
+    <LocManualTestRequired xmlns="4873beb7-5857-4685-be1f-d57550cc96cc">false</LocManualTestRequired>
+    <TPCommandLine xmlns="4873beb7-5857-4685-be1f-d57550cc96cc" xsi:nil="true"/>
+    <TPAppVersion xmlns="4873beb7-5857-4685-be1f-d57550cc96cc" xsi:nil="true"/>
+    <EditorialStatus xmlns="4873beb7-5857-4685-be1f-d57550cc96cc">Complete</EditorialStatus>
+    <LastModifiedDateTime xmlns="4873beb7-5857-4685-be1f-d57550cc96cc" xsi:nil="true"/>
+    <ScenarioTagsTaxHTField0 xmlns="4873beb7-5857-4685-be1f-d57550cc96cc">
+      <Terms xmlns="http://schemas.microsoft.com/office/infopath/2007/PartnerControls"/>
+    </ScenarioTagsTaxHTField0>
+    <LocProcessedForMarketsLookup xmlns="4873beb7-5857-4685-be1f-d57550cc96cc" xsi:nil="true"/>
+    <TPLaunchHelpLinkType xmlns="4873beb7-5857-4685-be1f-d57550cc96cc">Template</TPLaunchHelpLinkType>
+    <OriginalRelease xmlns="4873beb7-5857-4685-be1f-d57550cc96cc">15</OriginalRelease>
+    <LocalizationTagsTaxHTField0 xmlns="4873beb7-5857-4685-be1f-d57550cc96cc">
+      <Terms xmlns="http://schemas.microsoft.com/office/infopath/2007/PartnerControls"/>
+    </LocalizationTagsTaxHTField0>
+    <UACurrentWords xmlns="4873beb7-5857-4685-be1f-d57550cc96cc" xsi:nil="true"/>
+    <ArtSampleDocs xmlns="4873beb7-5857-4685-be1f-d57550cc96cc" xsi:nil="true"/>
+    <UALocRecommendation xmlns="4873beb7-5857-4685-be1f-d57550cc96cc">Localize</UALocRecommendation>
+    <Manager xmlns="4873beb7-5857-4685-be1f-d57550cc96cc" xsi:nil="true"/>
+    <LocOverallHandbackStatusLookup xmlns="4873beb7-5857-4685-be1f-d57550cc96cc" xsi:nil="true"/>
+    <ShowIn xmlns="4873beb7-5857-4685-be1f-d57550cc96cc">Show everywhere</ShowIn>
+    <UANotes xmlns="4873beb7-5857-4685-be1f-d57550cc96cc" xsi:nil="true"/>
+    <InternalTagsTaxHTField0 xmlns="4873beb7-5857-4685-be1f-d57550cc96cc">
+      <Terms xmlns="http://schemas.microsoft.com/office/infopath/2007/PartnerControls"/>
+    </InternalTagsTaxHTField0>
+    <CSXHash xmlns="4873beb7-5857-4685-be1f-d57550cc96cc" xsi:nil="true"/>
+    <VoteCount xmlns="4873beb7-5857-4685-be1f-d57550cc96cc" xsi:nil="true"/>
+    <AssetExpire xmlns="4873beb7-5857-4685-be1f-d57550cc96cc">2029-05-12T07:00:00+00:00</AssetExpire>
+    <DSATActionTaken xmlns="4873beb7-5857-4685-be1f-d57550cc96cc" xsi:nil="true"/>
+    <CSXSubmissionMarket xmlns="4873beb7-5857-4685-be1f-d57550cc96cc" xsi:nil="true"/>
+    <LocMarketGroupTiers2 xmlns="4873beb7-5857-4685-be1f-d57550cc96cc" xsi:nil="true"/>
+  </documentManagement>
+</p:properties>
+</file>
+
+<file path=customXml/item3.xml><?xml version="1.0" encoding="utf-8"?>
 <ct:contentTypeSchema xmlns:ct="http://schemas.microsoft.com/office/2006/metadata/contentType" xmlns:ma="http://schemas.microsoft.com/office/2006/metadata/properties/metaAttributes" ct:_="" ma:_="" ma:contentTypeName="TemplateFile" ma:contentTypeID="0x0101006EDDDB5EE6D98C44930B742096920B300400F5B6D36B3EF94B4E9A635CDF2A18F5B8" ma:contentTypeVersion="72" ma:contentTypeDescription="Create a new document." ma:contentTypeScope="" ma:versionID="a23e56308344d904b51738559c3d67c9">
   <xsd:schema xmlns:xsd="http://www.w3.org/2001/XMLSchema" xmlns:xs="http://www.w3.org/2001/XMLSchema" xmlns:p="http://schemas.microsoft.com/office/2006/metadata/properties" xmlns:ns2="4873beb7-5857-4685-be1f-d57550cc96cc" targetNamespace="http://schemas.microsoft.com/office/2006/metadata/properties" ma:root="true" ma:fieldsID="cd0908cc4600e77bf5da051303e00c8d" ns2:_="">
     <xsd:import namespace="4873beb7-5857-4685-be1f-d57550cc96cc"/>
@@ -19660,165 +19813,10 @@
 </ct:contentTypeSchema>
 </file>
 
-<file path=customXml/item2.xml><?xml version="1.0" encoding="utf-8"?>
-<p:properties xmlns:p="http://schemas.microsoft.com/office/2006/metadata/properties" xmlns:xsi="http://www.w3.org/2001/XMLSchema-instance" xmlns:pc="http://schemas.microsoft.com/office/infopath/2007/PartnerControls">
-  <documentManagement>
-    <LocPublishedLinkedAssetsLookup xmlns="4873beb7-5857-4685-be1f-d57550cc96cc" xsi:nil="true"/>
-    <ApprovalStatus xmlns="4873beb7-5857-4685-be1f-d57550cc96cc">InProgress</ApprovalStatus>
-    <MarketSpecific xmlns="4873beb7-5857-4685-be1f-d57550cc96cc">false</MarketSpecific>
-    <LocComments xmlns="4873beb7-5857-4685-be1f-d57550cc96cc" xsi:nil="true"/>
-    <LocLastLocAttemptVersionTypeLookup xmlns="4873beb7-5857-4685-be1f-d57550cc96cc" xsi:nil="true"/>
-    <DirectSourceMarket xmlns="4873beb7-5857-4685-be1f-d57550cc96cc" xsi:nil="true"/>
-    <ThumbnailAssetId xmlns="4873beb7-5857-4685-be1f-d57550cc96cc" xsi:nil="true"/>
-    <PrimaryImageGen xmlns="4873beb7-5857-4685-be1f-d57550cc96cc">false</PrimaryImageGen>
-    <LocNewPublishedVersionLookup xmlns="4873beb7-5857-4685-be1f-d57550cc96cc" xsi:nil="true"/>
-    <LegacyData xmlns="4873beb7-5857-4685-be1f-d57550cc96cc" xsi:nil="true"/>
-    <LocRecommendedHandoff xmlns="4873beb7-5857-4685-be1f-d57550cc96cc" xsi:nil="true"/>
-    <BusinessGroup xmlns="4873beb7-5857-4685-be1f-d57550cc96cc" xsi:nil="true"/>
-    <BlockPublish xmlns="4873beb7-5857-4685-be1f-d57550cc96cc">false</BlockPublish>
-    <TPFriendlyName xmlns="4873beb7-5857-4685-be1f-d57550cc96cc" xsi:nil="true"/>
-    <LocOverallPublishStatusLookup xmlns="4873beb7-5857-4685-be1f-d57550cc96cc" xsi:nil="true"/>
-    <NumericId xmlns="4873beb7-5857-4685-be1f-d57550cc96cc" xsi:nil="true"/>
-    <APEditor xmlns="4873beb7-5857-4685-be1f-d57550cc96cc">
-      <UserInfo>
-        <DisplayName/>
-        <AccountId xsi:nil="true"/>
-        <AccountType/>
-      </UserInfo>
-    </APEditor>
-    <SourceTitle xmlns="4873beb7-5857-4685-be1f-d57550cc96cc" xsi:nil="true"/>
-    <OpenTemplate xmlns="4873beb7-5857-4685-be1f-d57550cc96cc">true</OpenTemplate>
-    <LocOverallLocStatusLookup xmlns="4873beb7-5857-4685-be1f-d57550cc96cc" xsi:nil="true"/>
-    <UALocComments xmlns="4873beb7-5857-4685-be1f-d57550cc96cc" xsi:nil="true"/>
-    <ParentAssetId xmlns="4873beb7-5857-4685-be1f-d57550cc96cc" xsi:nil="true"/>
-    <IntlLangReviewDate xmlns="4873beb7-5857-4685-be1f-d57550cc96cc" xsi:nil="true"/>
-    <FeatureTagsTaxHTField0 xmlns="4873beb7-5857-4685-be1f-d57550cc96cc">
-      <Terms xmlns="http://schemas.microsoft.com/office/infopath/2007/PartnerControls"/>
-    </FeatureTagsTaxHTField0>
-    <PublishStatusLookup xmlns="4873beb7-5857-4685-be1f-d57550cc96cc">
-      <Value>1345093</Value>
-    </PublishStatusLookup>
-    <Providers xmlns="4873beb7-5857-4685-be1f-d57550cc96cc" xsi:nil="true"/>
-    <MachineTranslated xmlns="4873beb7-5857-4685-be1f-d57550cc96cc">false</MachineTranslated>
-    <OriginalSourceMarket xmlns="4873beb7-5857-4685-be1f-d57550cc96cc" xsi:nil="true"/>
-    <APDescription xmlns="4873beb7-5857-4685-be1f-d57550cc96cc">This simple template design works for technology and  businesses, but it's versatile enough to use in other contexts.  It features multiple slide layouts designed for widescreen (16x9 resolution) and includes a sample SmartArt list and chart that are easily editable.</APDescription>
-    <ClipArtFilename xmlns="4873beb7-5857-4685-be1f-d57550cc96cc" xsi:nil="true"/>
-    <ContentItem xmlns="4873beb7-5857-4685-be1f-d57550cc96cc" xsi:nil="true"/>
-    <TPInstallLocation xmlns="4873beb7-5857-4685-be1f-d57550cc96cc" xsi:nil="true"/>
-    <PublishTargets xmlns="4873beb7-5857-4685-be1f-d57550cc96cc">OfficeOnlineVNext</PublishTargets>
-    <TimesCloned xmlns="4873beb7-5857-4685-be1f-d57550cc96cc" xsi:nil="true"/>
-    <AssetStart xmlns="4873beb7-5857-4685-be1f-d57550cc96cc">2011-11-26T00:30:00+00:00</AssetStart>
-    <Provider xmlns="4873beb7-5857-4685-be1f-d57550cc96cc" xsi:nil="true"/>
-    <AcquiredFrom xmlns="4873beb7-5857-4685-be1f-d57550cc96cc">Internal MS</AcquiredFrom>
-    <FriendlyTitle xmlns="4873beb7-5857-4685-be1f-d57550cc96cc" xsi:nil="true"/>
-    <LastHandOff xmlns="4873beb7-5857-4685-be1f-d57550cc96cc" xsi:nil="true"/>
-    <TPClientViewer xmlns="4873beb7-5857-4685-be1f-d57550cc96cc" xsi:nil="true"/>
-    <TemplateStatus xmlns="4873beb7-5857-4685-be1f-d57550cc96cc">Complete</TemplateStatus>
-    <Downloads xmlns="4873beb7-5857-4685-be1f-d57550cc96cc">0</Downloads>
-    <OOCacheId xmlns="4873beb7-5857-4685-be1f-d57550cc96cc" xsi:nil="true"/>
-    <IsDeleted xmlns="4873beb7-5857-4685-be1f-d57550cc96cc">false</IsDeleted>
-    <LocPublishedDependentAssetsLookup xmlns="4873beb7-5857-4685-be1f-d57550cc96cc" xsi:nil="true"/>
-    <TPExecutable xmlns="4873beb7-5857-4685-be1f-d57550cc96cc" xsi:nil="true"/>
-    <EditorialTags xmlns="4873beb7-5857-4685-be1f-d57550cc96cc" xsi:nil="true"/>
-    <SubmitterId xmlns="4873beb7-5857-4685-be1f-d57550cc96cc" xsi:nil="true"/>
-    <ApprovalLog xmlns="4873beb7-5857-4685-be1f-d57550cc96cc" xsi:nil="true"/>
-    <AssetType xmlns="4873beb7-5857-4685-be1f-d57550cc96cc">TP</AssetType>
-    <BugNumber xmlns="4873beb7-5857-4685-be1f-d57550cc96cc" xsi:nil="true"/>
-    <CSXSubmissionDate xmlns="4873beb7-5857-4685-be1f-d57550cc96cc" xsi:nil="true"/>
-    <CSXUpdate xmlns="4873beb7-5857-4685-be1f-d57550cc96cc">false</CSXUpdate>
-    <Milestone xmlns="4873beb7-5857-4685-be1f-d57550cc96cc" xsi:nil="true"/>
-    <RecommendationsModifier xmlns="4873beb7-5857-4685-be1f-d57550cc96cc" xsi:nil="true"/>
-    <OriginAsset xmlns="4873beb7-5857-4685-be1f-d57550cc96cc" xsi:nil="true"/>
-    <TPComponent xmlns="4873beb7-5857-4685-be1f-d57550cc96cc" xsi:nil="true"/>
-    <AssetId xmlns="4873beb7-5857-4685-be1f-d57550cc96cc">TP102787989</AssetId>
-    <IntlLocPriority xmlns="4873beb7-5857-4685-be1f-d57550cc96cc" xsi:nil="true"/>
-    <PolicheckWords xmlns="4873beb7-5857-4685-be1f-d57550cc96cc" xsi:nil="true"/>
-    <TPLaunchHelpLink xmlns="4873beb7-5857-4685-be1f-d57550cc96cc" xsi:nil="true"/>
-    <TPApplication xmlns="4873beb7-5857-4685-be1f-d57550cc96cc" xsi:nil="true"/>
-    <CrawlForDependencies xmlns="4873beb7-5857-4685-be1f-d57550cc96cc">false</CrawlForDependencies>
-    <HandoffToMSDN xmlns="4873beb7-5857-4685-be1f-d57550cc96cc" xsi:nil="true"/>
-    <PlannedPubDate xmlns="4873beb7-5857-4685-be1f-d57550cc96cc" xsi:nil="true"/>
-    <IntlLangReviewer xmlns="4873beb7-5857-4685-be1f-d57550cc96cc" xsi:nil="true"/>
-    <TrustLevel xmlns="4873beb7-5857-4685-be1f-d57550cc96cc">1 Microsoft Managed Content</TrustLevel>
-    <LocLastLocAttemptVersionLookup xmlns="4873beb7-5857-4685-be1f-d57550cc96cc">694266</LocLastLocAttemptVersionLookup>
-    <LocProcessedForHandoffsLookup xmlns="4873beb7-5857-4685-be1f-d57550cc96cc" xsi:nil="true"/>
-    <IsSearchable xmlns="4873beb7-5857-4685-be1f-d57550cc96cc">true</IsSearchable>
-    <TemplateTemplateType xmlns="4873beb7-5857-4685-be1f-d57550cc96cc">PowerPoint Presentation Template</TemplateTemplateType>
-    <CampaignTagsTaxHTField0 xmlns="4873beb7-5857-4685-be1f-d57550cc96cc">
-      <Terms xmlns="http://schemas.microsoft.com/office/infopath/2007/PartnerControls"/>
-    </CampaignTagsTaxHTField0>
-    <TPNamespace xmlns="4873beb7-5857-4685-be1f-d57550cc96cc" xsi:nil="true"/>
-    <LocOverallPreviewStatusLookup xmlns="4873beb7-5857-4685-be1f-d57550cc96cc" xsi:nil="true"/>
-    <TaxCatchAll xmlns="4873beb7-5857-4685-be1f-d57550cc96cc"/>
-    <Markets xmlns="4873beb7-5857-4685-be1f-d57550cc96cc"/>
-    <UAProjectedTotalWords xmlns="4873beb7-5857-4685-be1f-d57550cc96cc" xsi:nil="true"/>
-    <IntlLangReview xmlns="4873beb7-5857-4685-be1f-d57550cc96cc" xsi:nil="true"/>
-    <OutputCachingOn xmlns="4873beb7-5857-4685-be1f-d57550cc96cc">false</OutputCachingOn>
-    <AverageRating xmlns="4873beb7-5857-4685-be1f-d57550cc96cc" xsi:nil="true"/>
-    <APAuthor xmlns="4873beb7-5857-4685-be1f-d57550cc96cc">
-      <UserInfo>
-        <DisplayName>REDMOND\kristaa</DisplayName>
-        <AccountId>136</AccountId>
-        <AccountType/>
-      </UserInfo>
-    </APAuthor>
-    <LocManualTestRequired xmlns="4873beb7-5857-4685-be1f-d57550cc96cc">false</LocManualTestRequired>
-    <TPCommandLine xmlns="4873beb7-5857-4685-be1f-d57550cc96cc" xsi:nil="true"/>
-    <TPAppVersion xmlns="4873beb7-5857-4685-be1f-d57550cc96cc" xsi:nil="true"/>
-    <EditorialStatus xmlns="4873beb7-5857-4685-be1f-d57550cc96cc">Complete</EditorialStatus>
-    <LastModifiedDateTime xmlns="4873beb7-5857-4685-be1f-d57550cc96cc" xsi:nil="true"/>
-    <ScenarioTagsTaxHTField0 xmlns="4873beb7-5857-4685-be1f-d57550cc96cc">
-      <Terms xmlns="http://schemas.microsoft.com/office/infopath/2007/PartnerControls"/>
-    </ScenarioTagsTaxHTField0>
-    <LocProcessedForMarketsLookup xmlns="4873beb7-5857-4685-be1f-d57550cc96cc" xsi:nil="true"/>
-    <TPLaunchHelpLinkType xmlns="4873beb7-5857-4685-be1f-d57550cc96cc">Template</TPLaunchHelpLinkType>
-    <OriginalRelease xmlns="4873beb7-5857-4685-be1f-d57550cc96cc">15</OriginalRelease>
-    <LocalizationTagsTaxHTField0 xmlns="4873beb7-5857-4685-be1f-d57550cc96cc">
-      <Terms xmlns="http://schemas.microsoft.com/office/infopath/2007/PartnerControls"/>
-    </LocalizationTagsTaxHTField0>
-    <UACurrentWords xmlns="4873beb7-5857-4685-be1f-d57550cc96cc" xsi:nil="true"/>
-    <ArtSampleDocs xmlns="4873beb7-5857-4685-be1f-d57550cc96cc" xsi:nil="true"/>
-    <UALocRecommendation xmlns="4873beb7-5857-4685-be1f-d57550cc96cc">Localize</UALocRecommendation>
-    <Manager xmlns="4873beb7-5857-4685-be1f-d57550cc96cc" xsi:nil="true"/>
-    <LocOverallHandbackStatusLookup xmlns="4873beb7-5857-4685-be1f-d57550cc96cc" xsi:nil="true"/>
-    <ShowIn xmlns="4873beb7-5857-4685-be1f-d57550cc96cc">Show everywhere</ShowIn>
-    <UANotes xmlns="4873beb7-5857-4685-be1f-d57550cc96cc" xsi:nil="true"/>
-    <InternalTagsTaxHTField0 xmlns="4873beb7-5857-4685-be1f-d57550cc96cc">
-      <Terms xmlns="http://schemas.microsoft.com/office/infopath/2007/PartnerControls"/>
-    </InternalTagsTaxHTField0>
-    <CSXHash xmlns="4873beb7-5857-4685-be1f-d57550cc96cc" xsi:nil="true"/>
-    <VoteCount xmlns="4873beb7-5857-4685-be1f-d57550cc96cc" xsi:nil="true"/>
-    <AssetExpire xmlns="4873beb7-5857-4685-be1f-d57550cc96cc">2029-05-12T07:00:00+00:00</AssetExpire>
-    <DSATActionTaken xmlns="4873beb7-5857-4685-be1f-d57550cc96cc" xsi:nil="true"/>
-    <CSXSubmissionMarket xmlns="4873beb7-5857-4685-be1f-d57550cc96cc" xsi:nil="true"/>
-    <LocMarketGroupTiers2 xmlns="4873beb7-5857-4685-be1f-d57550cc96cc" xsi:nil="true"/>
-  </documentManagement>
-</p:properties>
-</file>
-
-<file path=customXml/item3.xml><?xml version="1.0" encoding="utf-8"?>
-<?mso-contentType ?>
-<FormTemplates xmlns="http://schemas.microsoft.com/sharepoint/v3/contenttype/forms">
-  <Display>DocumentLibraryForm</Display>
-  <Edit>AssetEditForm</Edit>
-  <New>DocumentLibraryForm</New>
-</FormTemplates>
-</file>
-
 <file path=customXml/itemProps1.xml><?xml version="1.0" encoding="utf-8"?>
-<ds:datastoreItem xmlns:ds="http://schemas.openxmlformats.org/officeDocument/2006/customXml" ds:itemID="{A09BF4D4-EF60-4196-BFC3-9462D607978C}">
+<ds:datastoreItem xmlns:ds="http://schemas.openxmlformats.org/officeDocument/2006/customXml" ds:itemID="{3836F65B-1B07-41EE-A0E8-BC6EF3855225}">
   <ds:schemaRefs>
-    <ds:schemaRef ds:uri="http://schemas.microsoft.com/office/2006/metadata/contentType"/>
-    <ds:schemaRef ds:uri="http://schemas.microsoft.com/office/2006/metadata/properties/metaAttributes"/>
-    <ds:schemaRef ds:uri="http://www.w3.org/2001/XMLSchema"/>
-    <ds:schemaRef ds:uri="http://schemas.microsoft.com/office/2006/metadata/properties"/>
-    <ds:schemaRef ds:uri="4873beb7-5857-4685-be1f-d57550cc96cc"/>
-    <ds:schemaRef ds:uri="http://schemas.microsoft.com/office/2006/documentManagement/types"/>
-    <ds:schemaRef ds:uri="http://schemas.microsoft.com/office/infopath/2007/PartnerControls"/>
-    <ds:schemaRef ds:uri="http://schemas.openxmlformats.org/package/2006/metadata/core-properties"/>
-    <ds:schemaRef ds:uri="http://purl.org/dc/elements/1.1/"/>
-    <ds:schemaRef ds:uri="http://purl.org/dc/terms/"/>
-    <ds:schemaRef ds:uri="http://schemas.microsoft.com/internal/obd"/>
+    <ds:schemaRef ds:uri="http://schemas.microsoft.com/sharepoint/v3/contenttype/forms"/>
   </ds:schemaRefs>
 </ds:datastoreItem>
 </file>
@@ -19840,9 +19838,19 @@
 </file>
 
 <file path=customXml/itemProps3.xml><?xml version="1.0" encoding="utf-8"?>
-<ds:datastoreItem xmlns:ds="http://schemas.openxmlformats.org/officeDocument/2006/customXml" ds:itemID="{3836F65B-1B07-41EE-A0E8-BC6EF3855225}">
+<ds:datastoreItem xmlns:ds="http://schemas.openxmlformats.org/officeDocument/2006/customXml" ds:itemID="{A09BF4D4-EF60-4196-BFC3-9462D607978C}">
   <ds:schemaRefs>
-    <ds:schemaRef ds:uri="http://schemas.microsoft.com/sharepoint/v3/contenttype/forms"/>
+    <ds:schemaRef ds:uri="http://schemas.microsoft.com/office/2006/metadata/contentType"/>
+    <ds:schemaRef ds:uri="http://schemas.microsoft.com/office/2006/metadata/properties/metaAttributes"/>
+    <ds:schemaRef ds:uri="http://www.w3.org/2001/XMLSchema"/>
+    <ds:schemaRef ds:uri="http://schemas.microsoft.com/office/2006/metadata/properties"/>
+    <ds:schemaRef ds:uri="4873beb7-5857-4685-be1f-d57550cc96cc"/>
+    <ds:schemaRef ds:uri="http://schemas.microsoft.com/office/2006/documentManagement/types"/>
+    <ds:schemaRef ds:uri="http://schemas.microsoft.com/office/infopath/2007/PartnerControls"/>
+    <ds:schemaRef ds:uri="http://schemas.openxmlformats.org/package/2006/metadata/core-properties"/>
+    <ds:schemaRef ds:uri="http://purl.org/dc/elements/1.1/"/>
+    <ds:schemaRef ds:uri="http://purl.org/dc/terms/"/>
+    <ds:schemaRef ds:uri="http://schemas.microsoft.com/internal/obd"/>
   </ds:schemaRefs>
 </ds:datastoreItem>
 </file>